--- a/full/django-get-started/slides.pptx
+++ b/full/django-get-started/slides.pptx
@@ -230,7 +230,7 @@
           </a:lstStyle>
           <a:p>
             <a:fld id="{DE1A9966-FCF8-42DB-A824-1023C22AFBA3}" type="datetimeFigureOut">
-              <a:t>2/24/2022</a:t>
+              <a:t>2/25/2022</a:t>
             </a:fld>
             <a:endParaRPr/>
           </a:p>
@@ -1120,7 +1120,12 @@
             <p:ph type="sldImg"/>
           </p:nvPr>
         </p:nvSpPr>
-        <p:spPr/>
+        <p:spPr>
+          <a:xfrm>
+            <a:off x="685800" y="1143000"/>
+            <a:ext cx="5486400" cy="3086100"/>
+          </a:xfrm>
+        </p:spPr>
       </p:sp>
       <p:sp>
         <p:nvSpPr>
@@ -1140,6 +1145,16 @@
           <a:lstStyle/>
           <a:p>
             <a:r>
+              <a:rPr lang="en-US" dirty="0"/>
+              <a:t>For this exercise there are a few file updates required. Spend a bit of extra time with the demo to ensure </a:t>
+            </a:r>
+          </a:p>
+          <a:p>
+            <a:endParaRPr lang="en-US" dirty="0"/>
+          </a:p>
+          <a:p>
+            <a:r>
+              <a:rPr dirty="0"/>
               <a:t>Link to published module on Learn: https://docs.microsoft.com/en-us/learn/modules/learn-pr/7-exercise-create-paths-views </a:t>
             </a:r>
           </a:p>
@@ -2903,7 +2918,7 @@
           <a:p>
             <a:fld id="{5D9C54AE-96D7-4BC8-91BC-74ADF86474E9}" type="datetimeFigureOut">
               <a:rPr lang="en-US" smtClean="0"/>
-              <a:t>2/24/2022</a:t>
+              <a:t>2/25/2022</a:t>
             </a:fld>
             <a:endParaRPr lang="en-US"/>
           </a:p>
@@ -3066,7 +3081,7 @@
           <a:p>
             <a:fld id="{39BBA9FC-610F-451B-AE40-4479FD4495D1}" type="datetimeFigureOut">
               <a:rPr lang="en-US" smtClean="0"/>
-              <a:t>2/24/2022</a:t>
+              <a:t>2/25/2022</a:t>
             </a:fld>
             <a:endParaRPr lang="en-US"/>
           </a:p>
@@ -3782,7 +3797,7 @@
         <p:fade/>
       </p:transition>
     </mc:Choice>
-    <mc:Fallback xmlns:p159="http://schemas.microsoft.com/office/powerpoint/2015/09/main" xmlns:p15="http://schemas.microsoft.com/office/powerpoint/2012/main" xmlns:a14="http://schemas.microsoft.com/office/drawing/2010/main" xmlns:wp="http://schemas.openxmlformats.org/drawingml/2006/wordprocessingDrawing" xmlns:w="http://schemas.openxmlformats.org/wordprocessingml/2006/main" xmlns:m="http://schemas.openxmlformats.org/officeDocument/2006/math" xmlns="">
+    <mc:Fallback xmlns="" xmlns:m="http://schemas.openxmlformats.org/officeDocument/2006/math" xmlns:w="http://schemas.openxmlformats.org/wordprocessingml/2006/main" xmlns:wp="http://schemas.openxmlformats.org/drawingml/2006/wordprocessingDrawing" xmlns:a14="http://schemas.microsoft.com/office/drawing/2010/main" xmlns:p15="http://schemas.microsoft.com/office/powerpoint/2012/main" xmlns:p159="http://schemas.microsoft.com/office/powerpoint/2015/09/main">
       <p:transition spd="med">
         <p:fade/>
       </p:transition>
@@ -4024,7 +4039,7 @@
         <p:fade/>
       </p:transition>
     </mc:Choice>
-    <mc:Fallback xmlns:p159="http://schemas.microsoft.com/office/powerpoint/2015/09/main" xmlns:p15="http://schemas.microsoft.com/office/powerpoint/2012/main" xmlns:a14="http://schemas.microsoft.com/office/drawing/2010/main" xmlns:wp="http://schemas.openxmlformats.org/drawingml/2006/wordprocessingDrawing" xmlns:w="http://schemas.openxmlformats.org/wordprocessingml/2006/main" xmlns:m="http://schemas.openxmlformats.org/officeDocument/2006/math" xmlns="">
+    <mc:Fallback xmlns="" xmlns:m="http://schemas.openxmlformats.org/officeDocument/2006/math" xmlns:w="http://schemas.openxmlformats.org/wordprocessingml/2006/main" xmlns:wp="http://schemas.openxmlformats.org/drawingml/2006/wordprocessingDrawing" xmlns:a14="http://schemas.microsoft.com/office/drawing/2010/main" xmlns:p15="http://schemas.microsoft.com/office/powerpoint/2012/main" xmlns:p159="http://schemas.microsoft.com/office/powerpoint/2015/09/main">
       <p:transition spd="med">
         <p:fade/>
       </p:transition>
@@ -5960,7 +5975,7 @@
           <a:p>
             <a:fld id="{E8206D2D-E014-40DA-9455-A7D32C64509D}" type="datetimeFigureOut">
               <a:rPr lang="en-US" smtClean="0"/>
-              <a:t>2/24/2022</a:t>
+              <a:t>2/25/2022</a:t>
             </a:fld>
             <a:endParaRPr lang="en-US"/>
           </a:p>
@@ -9042,7 +9057,7 @@
         <p:fade/>
       </p:transition>
     </mc:Choice>
-    <mc:Fallback xmlns:p159="http://schemas.microsoft.com/office/powerpoint/2015/09/main" xmlns:p15="http://schemas.microsoft.com/office/powerpoint/2012/main" xmlns:a14="http://schemas.microsoft.com/office/drawing/2010/main" xmlns:wp="http://schemas.openxmlformats.org/drawingml/2006/wordprocessingDrawing" xmlns:w="http://schemas.openxmlformats.org/wordprocessingml/2006/main" xmlns:m="http://schemas.openxmlformats.org/officeDocument/2006/math" xmlns="">
+    <mc:Fallback xmlns="" xmlns:m="http://schemas.openxmlformats.org/officeDocument/2006/math" xmlns:w="http://schemas.openxmlformats.org/wordprocessingml/2006/main" xmlns:wp="http://schemas.openxmlformats.org/drawingml/2006/wordprocessingDrawing" xmlns:a14="http://schemas.microsoft.com/office/drawing/2010/main" xmlns:p15="http://schemas.microsoft.com/office/powerpoint/2012/main" xmlns:p159="http://schemas.microsoft.com/office/powerpoint/2015/09/main">
       <p:transition spd="med">
         <p:fade/>
       </p:transition>
@@ -13065,7 +13080,7 @@
         <p:fade/>
       </p:transition>
     </mc:Choice>
-    <mc:Fallback xmlns:p159="http://schemas.microsoft.com/office/powerpoint/2015/09/main" xmlns:p15="http://schemas.microsoft.com/office/powerpoint/2012/main" xmlns:a14="http://schemas.microsoft.com/office/drawing/2010/main" xmlns:wp="http://schemas.openxmlformats.org/drawingml/2006/wordprocessingDrawing" xmlns:w="http://schemas.openxmlformats.org/wordprocessingml/2006/main" xmlns:m="http://schemas.openxmlformats.org/officeDocument/2006/math" xmlns="">
+    <mc:Fallback xmlns="" xmlns:m="http://schemas.openxmlformats.org/officeDocument/2006/math" xmlns:w="http://schemas.openxmlformats.org/wordprocessingml/2006/main" xmlns:wp="http://schemas.openxmlformats.org/drawingml/2006/wordprocessingDrawing" xmlns:a14="http://schemas.microsoft.com/office/drawing/2010/main" xmlns:p15="http://schemas.microsoft.com/office/powerpoint/2012/main" xmlns:p159="http://schemas.microsoft.com/office/powerpoint/2015/09/main">
       <p:transition spd="med">
         <p:fade/>
       </p:transition>
@@ -15903,7 +15918,7 @@
         <p:fade/>
       </p:transition>
     </mc:Choice>
-    <mc:Fallback xmlns:p159="http://schemas.microsoft.com/office/powerpoint/2015/09/main" xmlns:p15="http://schemas.microsoft.com/office/powerpoint/2012/main" xmlns:a14="http://schemas.microsoft.com/office/drawing/2010/main" xmlns:wp="http://schemas.openxmlformats.org/drawingml/2006/wordprocessingDrawing" xmlns:w="http://schemas.openxmlformats.org/wordprocessingml/2006/main" xmlns:m="http://schemas.openxmlformats.org/officeDocument/2006/math" xmlns="">
+    <mc:Fallback xmlns="" xmlns:m="http://schemas.openxmlformats.org/officeDocument/2006/math" xmlns:w="http://schemas.openxmlformats.org/wordprocessingml/2006/main" xmlns:wp="http://schemas.openxmlformats.org/drawingml/2006/wordprocessingDrawing" xmlns:a14="http://schemas.microsoft.com/office/drawing/2010/main" xmlns:p15="http://schemas.microsoft.com/office/powerpoint/2012/main" xmlns:p159="http://schemas.microsoft.com/office/powerpoint/2015/09/main">
       <p:transition spd="med">
         <p:fade/>
       </p:transition>
@@ -16094,7 +16109,7 @@
         <p:fade/>
       </p:transition>
     </mc:Choice>
-    <mc:Fallback xmlns:p159="http://schemas.microsoft.com/office/powerpoint/2015/09/main" xmlns:p15="http://schemas.microsoft.com/office/powerpoint/2012/main" xmlns:a14="http://schemas.microsoft.com/office/drawing/2010/main" xmlns:wp="http://schemas.openxmlformats.org/drawingml/2006/wordprocessingDrawing" xmlns:w="http://schemas.openxmlformats.org/wordprocessingml/2006/main" xmlns:m="http://schemas.openxmlformats.org/officeDocument/2006/math" xmlns="">
+    <mc:Fallback xmlns="" xmlns:m="http://schemas.openxmlformats.org/officeDocument/2006/math" xmlns:w="http://schemas.openxmlformats.org/wordprocessingml/2006/main" xmlns:wp="http://schemas.openxmlformats.org/drawingml/2006/wordprocessingDrawing" xmlns:a14="http://schemas.microsoft.com/office/drawing/2010/main" xmlns:p15="http://schemas.microsoft.com/office/powerpoint/2012/main" xmlns:p159="http://schemas.microsoft.com/office/powerpoint/2015/09/main">
       <p:transition spd="med">
         <p:fade/>
       </p:transition>
@@ -16209,7 +16224,7 @@
         <p:fade/>
       </p:transition>
     </mc:Choice>
-    <mc:Fallback xmlns:p159="http://schemas.microsoft.com/office/powerpoint/2015/09/main" xmlns:p15="http://schemas.microsoft.com/office/powerpoint/2012/main" xmlns:a14="http://schemas.microsoft.com/office/drawing/2010/main" xmlns:wp="http://schemas.openxmlformats.org/drawingml/2006/wordprocessingDrawing" xmlns:w="http://schemas.openxmlformats.org/wordprocessingml/2006/main" xmlns:m="http://schemas.openxmlformats.org/officeDocument/2006/math" xmlns="">
+    <mc:Fallback xmlns="" xmlns:m="http://schemas.openxmlformats.org/officeDocument/2006/math" xmlns:w="http://schemas.openxmlformats.org/wordprocessingml/2006/main" xmlns:wp="http://schemas.openxmlformats.org/drawingml/2006/wordprocessingDrawing" xmlns:a14="http://schemas.microsoft.com/office/drawing/2010/main" xmlns:p15="http://schemas.microsoft.com/office/powerpoint/2012/main" xmlns:p159="http://schemas.microsoft.com/office/powerpoint/2015/09/main">
       <p:transition spd="med">
         <p:fade/>
       </p:transition>
@@ -17854,7 +17869,7 @@
         <p:fade/>
       </p:transition>
     </mc:Choice>
-    <mc:Fallback xmlns:p159="http://schemas.microsoft.com/office/powerpoint/2015/09/main" xmlns:p15="http://schemas.microsoft.com/office/powerpoint/2012/main" xmlns:a14="http://schemas.microsoft.com/office/drawing/2010/main" xmlns:wp="http://schemas.openxmlformats.org/drawingml/2006/wordprocessingDrawing" xmlns:w="http://schemas.openxmlformats.org/wordprocessingml/2006/main" xmlns:m="http://schemas.openxmlformats.org/officeDocument/2006/math" xmlns="">
+    <mc:Fallback xmlns="" xmlns:m="http://schemas.openxmlformats.org/officeDocument/2006/math" xmlns:w="http://schemas.openxmlformats.org/wordprocessingml/2006/main" xmlns:wp="http://schemas.openxmlformats.org/drawingml/2006/wordprocessingDrawing" xmlns:a14="http://schemas.microsoft.com/office/drawing/2010/main" xmlns:p15="http://schemas.microsoft.com/office/powerpoint/2012/main" xmlns:p159="http://schemas.microsoft.com/office/powerpoint/2015/09/main">
       <p:transition spd="med">
         <p:fade/>
       </p:transition>
@@ -18072,7 +18087,7 @@
         <p:fade/>
       </p:transition>
     </mc:Choice>
-    <mc:Fallback xmlns:p159="http://schemas.microsoft.com/office/powerpoint/2015/09/main" xmlns:p15="http://schemas.microsoft.com/office/powerpoint/2012/main" xmlns:a14="http://schemas.microsoft.com/office/drawing/2010/main" xmlns:wp="http://schemas.openxmlformats.org/drawingml/2006/wordprocessingDrawing" xmlns:w="http://schemas.openxmlformats.org/wordprocessingml/2006/main" xmlns:m="http://schemas.openxmlformats.org/officeDocument/2006/math" xmlns="">
+    <mc:Fallback xmlns="" xmlns:m="http://schemas.openxmlformats.org/officeDocument/2006/math" xmlns:w="http://schemas.openxmlformats.org/wordprocessingml/2006/main" xmlns:wp="http://schemas.openxmlformats.org/drawingml/2006/wordprocessingDrawing" xmlns:a14="http://schemas.microsoft.com/office/drawing/2010/main" xmlns:p15="http://schemas.microsoft.com/office/powerpoint/2012/main" xmlns:p159="http://schemas.microsoft.com/office/powerpoint/2015/09/main">
       <p:transition spd="med">
         <p:fade/>
       </p:transition>
@@ -18903,7 +18918,7 @@
           <a:p>
             <a:fld id="{E5DF96BD-9B42-4CE7-9AD7-6A3C9279A351}" type="datetimeFigureOut">
               <a:rPr lang="en-US" smtClean="0"/>
-              <a:t>2/24/2022</a:t>
+              <a:t>2/25/2022</a:t>
             </a:fld>
             <a:endParaRPr lang="en-US"/>
           </a:p>
@@ -22156,7 +22171,7 @@
           <a:p>
             <a:fld id="{7B2F92C2-53B1-4600-A99E-E5F60D5E35C3}" type="datetimeFigureOut">
               <a:rPr lang="en-US" smtClean="0"/>
-              <a:t>2/24/2022</a:t>
+              <a:t>2/25/2022</a:t>
             </a:fld>
             <a:endParaRPr lang="en-US"/>
           </a:p>
@@ -24762,7 +24777,7 @@
           <a:p>
             <a:fld id="{BF7EE281-1A0D-45FA-BB45-DB877A1A1A95}" type="datetimeFigureOut">
               <a:rPr lang="en-US" smtClean="0"/>
-              <a:t>2/24/2022</a:t>
+              <a:t>2/25/2022</a:t>
             </a:fld>
             <a:endParaRPr lang="en-US"/>
           </a:p>
@@ -29352,7 +29367,7 @@
           <a:p>
             <a:fld id="{FDE06DF6-632F-4319-BE33-532FF19CBCCB}" type="datetimeFigureOut">
               <a:rPr lang="en-US" smtClean="0"/>
-              <a:t>2/24/2022</a:t>
+              <a:t>2/25/2022</a:t>
             </a:fld>
             <a:endParaRPr lang="en-US"/>
           </a:p>
@@ -30959,7 +30974,7 @@
         <p:fade/>
       </p:transition>
     </mc:Choice>
-    <mc:Fallback xmlns:p159="http://schemas.microsoft.com/office/powerpoint/2015/09/main" xmlns:p15="http://schemas.microsoft.com/office/powerpoint/2012/main" xmlns:a14="http://schemas.microsoft.com/office/drawing/2010/main" xmlns:wp="http://schemas.openxmlformats.org/drawingml/2006/wordprocessingDrawing" xmlns:w="http://schemas.openxmlformats.org/wordprocessingml/2006/main" xmlns:m="http://schemas.openxmlformats.org/officeDocument/2006/math" xmlns="">
+    <mc:Fallback xmlns="" xmlns:m="http://schemas.openxmlformats.org/officeDocument/2006/math" xmlns:w="http://schemas.openxmlformats.org/wordprocessingml/2006/main" xmlns:wp="http://schemas.openxmlformats.org/drawingml/2006/wordprocessingDrawing" xmlns:a14="http://schemas.microsoft.com/office/drawing/2010/main" xmlns:p15="http://schemas.microsoft.com/office/powerpoint/2012/main" xmlns:p159="http://schemas.microsoft.com/office/powerpoint/2015/09/main">
       <p:transition spd="med">
         <p:fade/>
       </p:transition>
@@ -31153,7 +31168,7 @@
         <p:fade/>
       </p:transition>
     </mc:Choice>
-    <mc:Fallback xmlns:p159="http://schemas.microsoft.com/office/powerpoint/2015/09/main" xmlns:p15="http://schemas.microsoft.com/office/powerpoint/2012/main" xmlns:a14="http://schemas.microsoft.com/office/drawing/2010/main" xmlns:wp="http://schemas.openxmlformats.org/drawingml/2006/wordprocessingDrawing" xmlns:w="http://schemas.openxmlformats.org/wordprocessingml/2006/main" xmlns:m="http://schemas.openxmlformats.org/officeDocument/2006/math" xmlns="">
+    <mc:Fallback xmlns="" xmlns:m="http://schemas.openxmlformats.org/officeDocument/2006/math" xmlns:w="http://schemas.openxmlformats.org/wordprocessingml/2006/main" xmlns:wp="http://schemas.openxmlformats.org/drawingml/2006/wordprocessingDrawing" xmlns:a14="http://schemas.microsoft.com/office/drawing/2010/main" xmlns:p15="http://schemas.microsoft.com/office/powerpoint/2012/main" xmlns:p159="http://schemas.microsoft.com/office/powerpoint/2015/09/main">
       <p:transition spd="med">
         <p:fade/>
       </p:transition>
@@ -31273,7 +31288,7 @@
         <p:fade/>
       </p:transition>
     </mc:Choice>
-    <mc:Fallback xmlns:p159="http://schemas.microsoft.com/office/powerpoint/2015/09/main" xmlns:p15="http://schemas.microsoft.com/office/powerpoint/2012/main" xmlns:a14="http://schemas.microsoft.com/office/drawing/2010/main" xmlns:wp="http://schemas.openxmlformats.org/drawingml/2006/wordprocessingDrawing" xmlns:w="http://schemas.openxmlformats.org/wordprocessingml/2006/main" xmlns:m="http://schemas.openxmlformats.org/officeDocument/2006/math" xmlns="">
+    <mc:Fallback xmlns="" xmlns:m="http://schemas.openxmlformats.org/officeDocument/2006/math" xmlns:w="http://schemas.openxmlformats.org/wordprocessingml/2006/main" xmlns:wp="http://schemas.openxmlformats.org/drawingml/2006/wordprocessingDrawing" xmlns:a14="http://schemas.microsoft.com/office/drawing/2010/main" xmlns:p15="http://schemas.microsoft.com/office/powerpoint/2012/main" xmlns:p159="http://schemas.microsoft.com/office/powerpoint/2015/09/main">
       <p:transition spd="med">
         <p:fade/>
       </p:transition>
@@ -32041,7 +32056,7 @@
           <a:p>
             <a:fld id="{B7AE90DE-2B38-446A-9C8D-C7BBE9B86FCC}" type="datetimeFigureOut">
               <a:rPr lang="en-US" smtClean="0"/>
-              <a:t>2/24/2022</a:t>
+              <a:t>2/25/2022</a:t>
             </a:fld>
             <a:endParaRPr lang="en-US"/>
           </a:p>
@@ -32405,7 +32420,7 @@
         <p:fade/>
       </p:transition>
     </mc:Choice>
-    <mc:Fallback xmlns:p159="http://schemas.microsoft.com/office/powerpoint/2015/09/main" xmlns:p15="http://schemas.microsoft.com/office/powerpoint/2012/main" xmlns:a14="http://schemas.microsoft.com/office/drawing/2010/main" xmlns:wp="http://schemas.openxmlformats.org/drawingml/2006/wordprocessingDrawing" xmlns:w="http://schemas.openxmlformats.org/wordprocessingml/2006/main" xmlns:m="http://schemas.openxmlformats.org/officeDocument/2006/math" xmlns="">
+    <mc:Fallback xmlns="" xmlns:m="http://schemas.openxmlformats.org/officeDocument/2006/math" xmlns:w="http://schemas.openxmlformats.org/wordprocessingml/2006/main" xmlns:wp="http://schemas.openxmlformats.org/drawingml/2006/wordprocessingDrawing" xmlns:a14="http://schemas.microsoft.com/office/drawing/2010/main" xmlns:p15="http://schemas.microsoft.com/office/powerpoint/2012/main" xmlns:p159="http://schemas.microsoft.com/office/powerpoint/2015/09/main">
       <p:transition spd="med">
         <p:fade/>
       </p:transition>
@@ -32647,7 +32662,7 @@
         <p:fade/>
       </p:transition>
     </mc:Choice>
-    <mc:Fallback xmlns:p159="http://schemas.microsoft.com/office/powerpoint/2015/09/main" xmlns:p15="http://schemas.microsoft.com/office/powerpoint/2012/main" xmlns:a14="http://schemas.microsoft.com/office/drawing/2010/main" xmlns:wp="http://schemas.openxmlformats.org/drawingml/2006/wordprocessingDrawing" xmlns:w="http://schemas.openxmlformats.org/wordprocessingml/2006/main" xmlns:m="http://schemas.openxmlformats.org/officeDocument/2006/math" xmlns="">
+    <mc:Fallback xmlns="" xmlns:m="http://schemas.openxmlformats.org/officeDocument/2006/math" xmlns:w="http://schemas.openxmlformats.org/wordprocessingml/2006/main" xmlns:wp="http://schemas.openxmlformats.org/drawingml/2006/wordprocessingDrawing" xmlns:a14="http://schemas.microsoft.com/office/drawing/2010/main" xmlns:p15="http://schemas.microsoft.com/office/powerpoint/2012/main" xmlns:p159="http://schemas.microsoft.com/office/powerpoint/2015/09/main">
       <p:transition spd="med">
         <p:fade/>
       </p:transition>
@@ -35330,7 +35345,7 @@
           <a:p>
             <a:fld id="{A6B15E76-82A6-4C25-967E-9AA7B4E93F43}" type="datetimeFigureOut">
               <a:rPr lang="en-US" smtClean="0"/>
-              <a:t>2/24/2022</a:t>
+              <a:t>2/25/2022</a:t>
             </a:fld>
             <a:endParaRPr lang="en-US"/>
           </a:p>
@@ -37933,7 +37948,7 @@
           <a:p>
             <a:fld id="{ECE2BF40-978E-43DD-B273-8EA74C8B9999}" type="datetimeFigureOut">
               <a:rPr lang="en-US" smtClean="0"/>
-              <a:t>2/24/2022</a:t>
+              <a:t>2/25/2022</a:t>
             </a:fld>
             <a:endParaRPr lang="en-US"/>
           </a:p>
@@ -42016,7 +42031,7 @@
           <a:p>
             <a:fld id="{D5DA8A18-2AC1-498C-8350-A4C435D5EFAE}" type="datetimeFigureOut">
               <a:rPr lang="en-US" smtClean="0"/>
-              <a:t>2/24/2022</a:t>
+              <a:t>2/25/2022</a:t>
             </a:fld>
             <a:endParaRPr lang="en-US"/>
           </a:p>
@@ -44356,7 +44371,7 @@
         <p:fade/>
       </p:transition>
     </mc:Choice>
-    <mc:Fallback xmlns:p159="http://schemas.microsoft.com/office/powerpoint/2015/09/main" xmlns:p15="http://schemas.microsoft.com/office/powerpoint/2012/main" xmlns:a14="http://schemas.microsoft.com/office/drawing/2010/main" xmlns:wp="http://schemas.openxmlformats.org/drawingml/2006/wordprocessingDrawing" xmlns:w="http://schemas.openxmlformats.org/wordprocessingml/2006/main" xmlns:m="http://schemas.openxmlformats.org/officeDocument/2006/math" xmlns="">
+    <mc:Fallback xmlns="" xmlns:m="http://schemas.openxmlformats.org/officeDocument/2006/math" xmlns:w="http://schemas.openxmlformats.org/wordprocessingml/2006/main" xmlns:wp="http://schemas.openxmlformats.org/drawingml/2006/wordprocessingDrawing" xmlns:a14="http://schemas.microsoft.com/office/drawing/2010/main" xmlns:p15="http://schemas.microsoft.com/office/powerpoint/2012/main" xmlns:p159="http://schemas.microsoft.com/office/powerpoint/2015/09/main">
       <p:transition spd="med">
         <p:fade/>
       </p:transition>
@@ -44547,7 +44562,7 @@
         <p:fade/>
       </p:transition>
     </mc:Choice>
-    <mc:Fallback xmlns:p159="http://schemas.microsoft.com/office/powerpoint/2015/09/main" xmlns:p15="http://schemas.microsoft.com/office/powerpoint/2012/main" xmlns:a14="http://schemas.microsoft.com/office/drawing/2010/main" xmlns:wp="http://schemas.openxmlformats.org/drawingml/2006/wordprocessingDrawing" xmlns:w="http://schemas.openxmlformats.org/wordprocessingml/2006/main" xmlns:m="http://schemas.openxmlformats.org/officeDocument/2006/math" xmlns="">
+    <mc:Fallback xmlns="" xmlns:m="http://schemas.openxmlformats.org/officeDocument/2006/math" xmlns:w="http://schemas.openxmlformats.org/wordprocessingml/2006/main" xmlns:wp="http://schemas.openxmlformats.org/drawingml/2006/wordprocessingDrawing" xmlns:a14="http://schemas.microsoft.com/office/drawing/2010/main" xmlns:p15="http://schemas.microsoft.com/office/powerpoint/2012/main" xmlns:p159="http://schemas.microsoft.com/office/powerpoint/2015/09/main">
       <p:transition spd="med">
         <p:fade/>
       </p:transition>
@@ -44662,7 +44677,7 @@
         <p:fade/>
       </p:transition>
     </mc:Choice>
-    <mc:Fallback xmlns:p159="http://schemas.microsoft.com/office/powerpoint/2015/09/main" xmlns:p15="http://schemas.microsoft.com/office/powerpoint/2012/main" xmlns:a14="http://schemas.microsoft.com/office/drawing/2010/main" xmlns:wp="http://schemas.openxmlformats.org/drawingml/2006/wordprocessingDrawing" xmlns:w="http://schemas.openxmlformats.org/wordprocessingml/2006/main" xmlns:m="http://schemas.openxmlformats.org/officeDocument/2006/math" xmlns="">
+    <mc:Fallback xmlns="" xmlns:m="http://schemas.openxmlformats.org/officeDocument/2006/math" xmlns:w="http://schemas.openxmlformats.org/wordprocessingml/2006/main" xmlns:wp="http://schemas.openxmlformats.org/drawingml/2006/wordprocessingDrawing" xmlns:a14="http://schemas.microsoft.com/office/drawing/2010/main" xmlns:p15="http://schemas.microsoft.com/office/powerpoint/2012/main" xmlns:p159="http://schemas.microsoft.com/office/powerpoint/2015/09/main">
       <p:transition spd="med">
         <p:fade/>
       </p:transition>
@@ -45174,7 +45189,7 @@
           <a:p>
             <a:fld id="{E8FD0B7A-F5DD-4F40-B4CB-3B2C354B893A}" type="datetimeFigureOut">
               <a:rPr lang="en-US" smtClean="0"/>
-              <a:t>2/24/2022</a:t>
+              <a:t>2/25/2022</a:t>
             </a:fld>
             <a:endParaRPr lang="en-US"/>
           </a:p>

--- a/full/django-get-started/slides.pptx
+++ b/full/django-get-started/slides.pptx
@@ -8,7 +8,7 @@
     <p:sldMasterId id="2147485227" r:id="rId4"/>
   </p:sldMasterIdLst>
   <p:notesMasterIdLst>
-    <p:notesMasterId r:id="rId31"/>
+    <p:notesMasterId r:id="rId32"/>
   </p:notesMasterIdLst>
   <p:sldIdLst>
     <p:sldId id="258" r:id="rId5"/>
@@ -36,12 +36,13 @@
     <p:sldId id="320" r:id="rId27"/>
     <p:sldId id="322" r:id="rId28"/>
     <p:sldId id="324" r:id="rId29"/>
-    <p:sldId id="326" r:id="rId30"/>
+    <p:sldId id="328" r:id="rId30"/>
+    <p:sldId id="326" r:id="rId31"/>
   </p:sldIdLst>
   <p:sldSz cx="12192000" cy="6858000"/>
   <p:notesSz cx="6858000" cy="9144000"/>
   <p:custDataLst>
-    <p:tags r:id="rId32"/>
+    <p:tags r:id="rId33"/>
   </p:custDataLst>
   <p:defaultTextStyle>
     <a:defPPr>
@@ -230,7 +231,7 @@
           </a:lstStyle>
           <a:p>
             <a:fld id="{DE1A9966-FCF8-42DB-A824-1023C22AFBA3}" type="datetimeFigureOut">
-              <a:t>2/25/2022</a:t>
+              <a:t>3/15/2022</a:t>
             </a:fld>
             <a:endParaRPr/>
           </a:p>
@@ -2918,7 +2919,7 @@
           <a:p>
             <a:fld id="{5D9C54AE-96D7-4BC8-91BC-74ADF86474E9}" type="datetimeFigureOut">
               <a:rPr lang="en-US" smtClean="0"/>
-              <a:t>2/25/2022</a:t>
+              <a:t>3/15/2022</a:t>
             </a:fld>
             <a:endParaRPr lang="en-US"/>
           </a:p>
@@ -3081,7 +3082,7 @@
           <a:p>
             <a:fld id="{39BBA9FC-610F-451B-AE40-4479FD4495D1}" type="datetimeFigureOut">
               <a:rPr lang="en-US" smtClean="0"/>
-              <a:t>2/25/2022</a:t>
+              <a:t>3/15/2022</a:t>
             </a:fld>
             <a:endParaRPr lang="en-US"/>
           </a:p>
@@ -3797,7 +3798,7 @@
         <p:fade/>
       </p:transition>
     </mc:Choice>
-    <mc:Fallback xmlns="" xmlns:m="http://schemas.openxmlformats.org/officeDocument/2006/math" xmlns:w="http://schemas.openxmlformats.org/wordprocessingml/2006/main" xmlns:wp="http://schemas.openxmlformats.org/drawingml/2006/wordprocessingDrawing" xmlns:a14="http://schemas.microsoft.com/office/drawing/2010/main" xmlns:p15="http://schemas.microsoft.com/office/powerpoint/2012/main" xmlns:p159="http://schemas.microsoft.com/office/powerpoint/2015/09/main">
+    <mc:Fallback xmlns:p159="http://schemas.microsoft.com/office/powerpoint/2015/09/main" xmlns:p15="http://schemas.microsoft.com/office/powerpoint/2012/main" xmlns:a14="http://schemas.microsoft.com/office/drawing/2010/main" xmlns:wp="http://schemas.openxmlformats.org/drawingml/2006/wordprocessingDrawing" xmlns:w="http://schemas.openxmlformats.org/wordprocessingml/2006/main" xmlns:m="http://schemas.openxmlformats.org/officeDocument/2006/math" xmlns="">
       <p:transition spd="med">
         <p:fade/>
       </p:transition>
@@ -4039,7 +4040,7 @@
         <p:fade/>
       </p:transition>
     </mc:Choice>
-    <mc:Fallback xmlns="" xmlns:m="http://schemas.openxmlformats.org/officeDocument/2006/math" xmlns:w="http://schemas.openxmlformats.org/wordprocessingml/2006/main" xmlns:wp="http://schemas.openxmlformats.org/drawingml/2006/wordprocessingDrawing" xmlns:a14="http://schemas.microsoft.com/office/drawing/2010/main" xmlns:p15="http://schemas.microsoft.com/office/powerpoint/2012/main" xmlns:p159="http://schemas.microsoft.com/office/powerpoint/2015/09/main">
+    <mc:Fallback xmlns:p159="http://schemas.microsoft.com/office/powerpoint/2015/09/main" xmlns:p15="http://schemas.microsoft.com/office/powerpoint/2012/main" xmlns:a14="http://schemas.microsoft.com/office/drawing/2010/main" xmlns:wp="http://schemas.openxmlformats.org/drawingml/2006/wordprocessingDrawing" xmlns:w="http://schemas.openxmlformats.org/wordprocessingml/2006/main" xmlns:m="http://schemas.openxmlformats.org/officeDocument/2006/math" xmlns="">
       <p:transition spd="med">
         <p:fade/>
       </p:transition>
@@ -5975,7 +5976,7 @@
           <a:p>
             <a:fld id="{E8206D2D-E014-40DA-9455-A7D32C64509D}" type="datetimeFigureOut">
               <a:rPr lang="en-US" smtClean="0"/>
-              <a:t>2/25/2022</a:t>
+              <a:t>3/15/2022</a:t>
             </a:fld>
             <a:endParaRPr lang="en-US"/>
           </a:p>
@@ -9057,7 +9058,7 @@
         <p:fade/>
       </p:transition>
     </mc:Choice>
-    <mc:Fallback xmlns="" xmlns:m="http://schemas.openxmlformats.org/officeDocument/2006/math" xmlns:w="http://schemas.openxmlformats.org/wordprocessingml/2006/main" xmlns:wp="http://schemas.openxmlformats.org/drawingml/2006/wordprocessingDrawing" xmlns:a14="http://schemas.microsoft.com/office/drawing/2010/main" xmlns:p15="http://schemas.microsoft.com/office/powerpoint/2012/main" xmlns:p159="http://schemas.microsoft.com/office/powerpoint/2015/09/main">
+    <mc:Fallback xmlns:p159="http://schemas.microsoft.com/office/powerpoint/2015/09/main" xmlns:p15="http://schemas.microsoft.com/office/powerpoint/2012/main" xmlns:a14="http://schemas.microsoft.com/office/drawing/2010/main" xmlns:wp="http://schemas.openxmlformats.org/drawingml/2006/wordprocessingDrawing" xmlns:w="http://schemas.openxmlformats.org/wordprocessingml/2006/main" xmlns:m="http://schemas.openxmlformats.org/officeDocument/2006/math" xmlns="">
       <p:transition spd="med">
         <p:fade/>
       </p:transition>
@@ -13080,7 +13081,7 @@
         <p:fade/>
       </p:transition>
     </mc:Choice>
-    <mc:Fallback xmlns="" xmlns:m="http://schemas.openxmlformats.org/officeDocument/2006/math" xmlns:w="http://schemas.openxmlformats.org/wordprocessingml/2006/main" xmlns:wp="http://schemas.openxmlformats.org/drawingml/2006/wordprocessingDrawing" xmlns:a14="http://schemas.microsoft.com/office/drawing/2010/main" xmlns:p15="http://schemas.microsoft.com/office/powerpoint/2012/main" xmlns:p159="http://schemas.microsoft.com/office/powerpoint/2015/09/main">
+    <mc:Fallback xmlns:p159="http://schemas.microsoft.com/office/powerpoint/2015/09/main" xmlns:p15="http://schemas.microsoft.com/office/powerpoint/2012/main" xmlns:a14="http://schemas.microsoft.com/office/drawing/2010/main" xmlns:wp="http://schemas.openxmlformats.org/drawingml/2006/wordprocessingDrawing" xmlns:w="http://schemas.openxmlformats.org/wordprocessingml/2006/main" xmlns:m="http://schemas.openxmlformats.org/officeDocument/2006/math" xmlns="">
       <p:transition spd="med">
         <p:fade/>
       </p:transition>
@@ -15918,7 +15919,7 @@
         <p:fade/>
       </p:transition>
     </mc:Choice>
-    <mc:Fallback xmlns="" xmlns:m="http://schemas.openxmlformats.org/officeDocument/2006/math" xmlns:w="http://schemas.openxmlformats.org/wordprocessingml/2006/main" xmlns:wp="http://schemas.openxmlformats.org/drawingml/2006/wordprocessingDrawing" xmlns:a14="http://schemas.microsoft.com/office/drawing/2010/main" xmlns:p15="http://schemas.microsoft.com/office/powerpoint/2012/main" xmlns:p159="http://schemas.microsoft.com/office/powerpoint/2015/09/main">
+    <mc:Fallback xmlns:p159="http://schemas.microsoft.com/office/powerpoint/2015/09/main" xmlns:p15="http://schemas.microsoft.com/office/powerpoint/2012/main" xmlns:a14="http://schemas.microsoft.com/office/drawing/2010/main" xmlns:wp="http://schemas.openxmlformats.org/drawingml/2006/wordprocessingDrawing" xmlns:w="http://schemas.openxmlformats.org/wordprocessingml/2006/main" xmlns:m="http://schemas.openxmlformats.org/officeDocument/2006/math" xmlns="">
       <p:transition spd="med">
         <p:fade/>
       </p:transition>
@@ -16109,7 +16110,7 @@
         <p:fade/>
       </p:transition>
     </mc:Choice>
-    <mc:Fallback xmlns="" xmlns:m="http://schemas.openxmlformats.org/officeDocument/2006/math" xmlns:w="http://schemas.openxmlformats.org/wordprocessingml/2006/main" xmlns:wp="http://schemas.openxmlformats.org/drawingml/2006/wordprocessingDrawing" xmlns:a14="http://schemas.microsoft.com/office/drawing/2010/main" xmlns:p15="http://schemas.microsoft.com/office/powerpoint/2012/main" xmlns:p159="http://schemas.microsoft.com/office/powerpoint/2015/09/main">
+    <mc:Fallback xmlns:p159="http://schemas.microsoft.com/office/powerpoint/2015/09/main" xmlns:p15="http://schemas.microsoft.com/office/powerpoint/2012/main" xmlns:a14="http://schemas.microsoft.com/office/drawing/2010/main" xmlns:wp="http://schemas.openxmlformats.org/drawingml/2006/wordprocessingDrawing" xmlns:w="http://schemas.openxmlformats.org/wordprocessingml/2006/main" xmlns:m="http://schemas.openxmlformats.org/officeDocument/2006/math" xmlns="">
       <p:transition spd="med">
         <p:fade/>
       </p:transition>
@@ -16224,7 +16225,7 @@
         <p:fade/>
       </p:transition>
     </mc:Choice>
-    <mc:Fallback xmlns="" xmlns:m="http://schemas.openxmlformats.org/officeDocument/2006/math" xmlns:w="http://schemas.openxmlformats.org/wordprocessingml/2006/main" xmlns:wp="http://schemas.openxmlformats.org/drawingml/2006/wordprocessingDrawing" xmlns:a14="http://schemas.microsoft.com/office/drawing/2010/main" xmlns:p15="http://schemas.microsoft.com/office/powerpoint/2012/main" xmlns:p159="http://schemas.microsoft.com/office/powerpoint/2015/09/main">
+    <mc:Fallback xmlns:p159="http://schemas.microsoft.com/office/powerpoint/2015/09/main" xmlns:p15="http://schemas.microsoft.com/office/powerpoint/2012/main" xmlns:a14="http://schemas.microsoft.com/office/drawing/2010/main" xmlns:wp="http://schemas.openxmlformats.org/drawingml/2006/wordprocessingDrawing" xmlns:w="http://schemas.openxmlformats.org/wordprocessingml/2006/main" xmlns:m="http://schemas.openxmlformats.org/officeDocument/2006/math" xmlns="">
       <p:transition spd="med">
         <p:fade/>
       </p:transition>
@@ -17869,7 +17870,7 @@
         <p:fade/>
       </p:transition>
     </mc:Choice>
-    <mc:Fallback xmlns="" xmlns:m="http://schemas.openxmlformats.org/officeDocument/2006/math" xmlns:w="http://schemas.openxmlformats.org/wordprocessingml/2006/main" xmlns:wp="http://schemas.openxmlformats.org/drawingml/2006/wordprocessingDrawing" xmlns:a14="http://schemas.microsoft.com/office/drawing/2010/main" xmlns:p15="http://schemas.microsoft.com/office/powerpoint/2012/main" xmlns:p159="http://schemas.microsoft.com/office/powerpoint/2015/09/main">
+    <mc:Fallback xmlns:p159="http://schemas.microsoft.com/office/powerpoint/2015/09/main" xmlns:p15="http://schemas.microsoft.com/office/powerpoint/2012/main" xmlns:a14="http://schemas.microsoft.com/office/drawing/2010/main" xmlns:wp="http://schemas.openxmlformats.org/drawingml/2006/wordprocessingDrawing" xmlns:w="http://schemas.openxmlformats.org/wordprocessingml/2006/main" xmlns:m="http://schemas.openxmlformats.org/officeDocument/2006/math" xmlns="">
       <p:transition spd="med">
         <p:fade/>
       </p:transition>
@@ -18087,7 +18088,7 @@
         <p:fade/>
       </p:transition>
     </mc:Choice>
-    <mc:Fallback xmlns="" xmlns:m="http://schemas.openxmlformats.org/officeDocument/2006/math" xmlns:w="http://schemas.openxmlformats.org/wordprocessingml/2006/main" xmlns:wp="http://schemas.openxmlformats.org/drawingml/2006/wordprocessingDrawing" xmlns:a14="http://schemas.microsoft.com/office/drawing/2010/main" xmlns:p15="http://schemas.microsoft.com/office/powerpoint/2012/main" xmlns:p159="http://schemas.microsoft.com/office/powerpoint/2015/09/main">
+    <mc:Fallback xmlns:p159="http://schemas.microsoft.com/office/powerpoint/2015/09/main" xmlns:p15="http://schemas.microsoft.com/office/powerpoint/2012/main" xmlns:a14="http://schemas.microsoft.com/office/drawing/2010/main" xmlns:wp="http://schemas.openxmlformats.org/drawingml/2006/wordprocessingDrawing" xmlns:w="http://schemas.openxmlformats.org/wordprocessingml/2006/main" xmlns:m="http://schemas.openxmlformats.org/officeDocument/2006/math" xmlns="">
       <p:transition spd="med">
         <p:fade/>
       </p:transition>
@@ -18918,7 +18919,7 @@
           <a:p>
             <a:fld id="{E5DF96BD-9B42-4CE7-9AD7-6A3C9279A351}" type="datetimeFigureOut">
               <a:rPr lang="en-US" smtClean="0"/>
-              <a:t>2/25/2022</a:t>
+              <a:t>3/15/2022</a:t>
             </a:fld>
             <a:endParaRPr lang="en-US"/>
           </a:p>
@@ -22171,7 +22172,7 @@
           <a:p>
             <a:fld id="{7B2F92C2-53B1-4600-A99E-E5F60D5E35C3}" type="datetimeFigureOut">
               <a:rPr lang="en-US" smtClean="0"/>
-              <a:t>2/25/2022</a:t>
+              <a:t>3/15/2022</a:t>
             </a:fld>
             <a:endParaRPr lang="en-US"/>
           </a:p>
@@ -24777,7 +24778,7 @@
           <a:p>
             <a:fld id="{BF7EE281-1A0D-45FA-BB45-DB877A1A1A95}" type="datetimeFigureOut">
               <a:rPr lang="en-US" smtClean="0"/>
-              <a:t>2/25/2022</a:t>
+              <a:t>3/15/2022</a:t>
             </a:fld>
             <a:endParaRPr lang="en-US"/>
           </a:p>
@@ -29367,7 +29368,7 @@
           <a:p>
             <a:fld id="{FDE06DF6-632F-4319-BE33-532FF19CBCCB}" type="datetimeFigureOut">
               <a:rPr lang="en-US" smtClean="0"/>
-              <a:t>2/25/2022</a:t>
+              <a:t>3/15/2022</a:t>
             </a:fld>
             <a:endParaRPr lang="en-US"/>
           </a:p>
@@ -30974,7 +30975,7 @@
         <p:fade/>
       </p:transition>
     </mc:Choice>
-    <mc:Fallback xmlns="" xmlns:m="http://schemas.openxmlformats.org/officeDocument/2006/math" xmlns:w="http://schemas.openxmlformats.org/wordprocessingml/2006/main" xmlns:wp="http://schemas.openxmlformats.org/drawingml/2006/wordprocessingDrawing" xmlns:a14="http://schemas.microsoft.com/office/drawing/2010/main" xmlns:p15="http://schemas.microsoft.com/office/powerpoint/2012/main" xmlns:p159="http://schemas.microsoft.com/office/powerpoint/2015/09/main">
+    <mc:Fallback xmlns:p159="http://schemas.microsoft.com/office/powerpoint/2015/09/main" xmlns:p15="http://schemas.microsoft.com/office/powerpoint/2012/main" xmlns:a14="http://schemas.microsoft.com/office/drawing/2010/main" xmlns:wp="http://schemas.openxmlformats.org/drawingml/2006/wordprocessingDrawing" xmlns:w="http://schemas.openxmlformats.org/wordprocessingml/2006/main" xmlns:m="http://schemas.openxmlformats.org/officeDocument/2006/math" xmlns="">
       <p:transition spd="med">
         <p:fade/>
       </p:transition>
@@ -31168,7 +31169,7 @@
         <p:fade/>
       </p:transition>
     </mc:Choice>
-    <mc:Fallback xmlns="" xmlns:m="http://schemas.openxmlformats.org/officeDocument/2006/math" xmlns:w="http://schemas.openxmlformats.org/wordprocessingml/2006/main" xmlns:wp="http://schemas.openxmlformats.org/drawingml/2006/wordprocessingDrawing" xmlns:a14="http://schemas.microsoft.com/office/drawing/2010/main" xmlns:p15="http://schemas.microsoft.com/office/powerpoint/2012/main" xmlns:p159="http://schemas.microsoft.com/office/powerpoint/2015/09/main">
+    <mc:Fallback xmlns:p159="http://schemas.microsoft.com/office/powerpoint/2015/09/main" xmlns:p15="http://schemas.microsoft.com/office/powerpoint/2012/main" xmlns:a14="http://schemas.microsoft.com/office/drawing/2010/main" xmlns:wp="http://schemas.openxmlformats.org/drawingml/2006/wordprocessingDrawing" xmlns:w="http://schemas.openxmlformats.org/wordprocessingml/2006/main" xmlns:m="http://schemas.openxmlformats.org/officeDocument/2006/math" xmlns="">
       <p:transition spd="med">
         <p:fade/>
       </p:transition>
@@ -31288,7 +31289,7 @@
         <p:fade/>
       </p:transition>
     </mc:Choice>
-    <mc:Fallback xmlns="" xmlns:m="http://schemas.openxmlformats.org/officeDocument/2006/math" xmlns:w="http://schemas.openxmlformats.org/wordprocessingml/2006/main" xmlns:wp="http://schemas.openxmlformats.org/drawingml/2006/wordprocessingDrawing" xmlns:a14="http://schemas.microsoft.com/office/drawing/2010/main" xmlns:p15="http://schemas.microsoft.com/office/powerpoint/2012/main" xmlns:p159="http://schemas.microsoft.com/office/powerpoint/2015/09/main">
+    <mc:Fallback xmlns:p159="http://schemas.microsoft.com/office/powerpoint/2015/09/main" xmlns:p15="http://schemas.microsoft.com/office/powerpoint/2012/main" xmlns:a14="http://schemas.microsoft.com/office/drawing/2010/main" xmlns:wp="http://schemas.openxmlformats.org/drawingml/2006/wordprocessingDrawing" xmlns:w="http://schemas.openxmlformats.org/wordprocessingml/2006/main" xmlns:m="http://schemas.openxmlformats.org/officeDocument/2006/math" xmlns="">
       <p:transition spd="med">
         <p:fade/>
       </p:transition>
@@ -32056,7 +32057,7 @@
           <a:p>
             <a:fld id="{B7AE90DE-2B38-446A-9C8D-C7BBE9B86FCC}" type="datetimeFigureOut">
               <a:rPr lang="en-US" smtClean="0"/>
-              <a:t>2/25/2022</a:t>
+              <a:t>3/15/2022</a:t>
             </a:fld>
             <a:endParaRPr lang="en-US"/>
           </a:p>
@@ -32420,7 +32421,7 @@
         <p:fade/>
       </p:transition>
     </mc:Choice>
-    <mc:Fallback xmlns="" xmlns:m="http://schemas.openxmlformats.org/officeDocument/2006/math" xmlns:w="http://schemas.openxmlformats.org/wordprocessingml/2006/main" xmlns:wp="http://schemas.openxmlformats.org/drawingml/2006/wordprocessingDrawing" xmlns:a14="http://schemas.microsoft.com/office/drawing/2010/main" xmlns:p15="http://schemas.microsoft.com/office/powerpoint/2012/main" xmlns:p159="http://schemas.microsoft.com/office/powerpoint/2015/09/main">
+    <mc:Fallback xmlns:p159="http://schemas.microsoft.com/office/powerpoint/2015/09/main" xmlns:p15="http://schemas.microsoft.com/office/powerpoint/2012/main" xmlns:a14="http://schemas.microsoft.com/office/drawing/2010/main" xmlns:wp="http://schemas.openxmlformats.org/drawingml/2006/wordprocessingDrawing" xmlns:w="http://schemas.openxmlformats.org/wordprocessingml/2006/main" xmlns:m="http://schemas.openxmlformats.org/officeDocument/2006/math" xmlns="">
       <p:transition spd="med">
         <p:fade/>
       </p:transition>
@@ -32662,7 +32663,7 @@
         <p:fade/>
       </p:transition>
     </mc:Choice>
-    <mc:Fallback xmlns="" xmlns:m="http://schemas.openxmlformats.org/officeDocument/2006/math" xmlns:w="http://schemas.openxmlformats.org/wordprocessingml/2006/main" xmlns:wp="http://schemas.openxmlformats.org/drawingml/2006/wordprocessingDrawing" xmlns:a14="http://schemas.microsoft.com/office/drawing/2010/main" xmlns:p15="http://schemas.microsoft.com/office/powerpoint/2012/main" xmlns:p159="http://schemas.microsoft.com/office/powerpoint/2015/09/main">
+    <mc:Fallback xmlns:p159="http://schemas.microsoft.com/office/powerpoint/2015/09/main" xmlns:p15="http://schemas.microsoft.com/office/powerpoint/2012/main" xmlns:a14="http://schemas.microsoft.com/office/drawing/2010/main" xmlns:wp="http://schemas.openxmlformats.org/drawingml/2006/wordprocessingDrawing" xmlns:w="http://schemas.openxmlformats.org/wordprocessingml/2006/main" xmlns:m="http://schemas.openxmlformats.org/officeDocument/2006/math" xmlns="">
       <p:transition spd="med">
         <p:fade/>
       </p:transition>
@@ -35345,7 +35346,7 @@
           <a:p>
             <a:fld id="{A6B15E76-82A6-4C25-967E-9AA7B4E93F43}" type="datetimeFigureOut">
               <a:rPr lang="en-US" smtClean="0"/>
-              <a:t>2/25/2022</a:t>
+              <a:t>3/15/2022</a:t>
             </a:fld>
             <a:endParaRPr lang="en-US"/>
           </a:p>
@@ -37948,7 +37949,7 @@
           <a:p>
             <a:fld id="{ECE2BF40-978E-43DD-B273-8EA74C8B9999}" type="datetimeFigureOut">
               <a:rPr lang="en-US" smtClean="0"/>
-              <a:t>2/25/2022</a:t>
+              <a:t>3/15/2022</a:t>
             </a:fld>
             <a:endParaRPr lang="en-US"/>
           </a:p>
@@ -42031,7 +42032,7 @@
           <a:p>
             <a:fld id="{D5DA8A18-2AC1-498C-8350-A4C435D5EFAE}" type="datetimeFigureOut">
               <a:rPr lang="en-US" smtClean="0"/>
-              <a:t>2/25/2022</a:t>
+              <a:t>3/15/2022</a:t>
             </a:fld>
             <a:endParaRPr lang="en-US"/>
           </a:p>
@@ -44371,7 +44372,7 @@
         <p:fade/>
       </p:transition>
     </mc:Choice>
-    <mc:Fallback xmlns="" xmlns:m="http://schemas.openxmlformats.org/officeDocument/2006/math" xmlns:w="http://schemas.openxmlformats.org/wordprocessingml/2006/main" xmlns:wp="http://schemas.openxmlformats.org/drawingml/2006/wordprocessingDrawing" xmlns:a14="http://schemas.microsoft.com/office/drawing/2010/main" xmlns:p15="http://schemas.microsoft.com/office/powerpoint/2012/main" xmlns:p159="http://schemas.microsoft.com/office/powerpoint/2015/09/main">
+    <mc:Fallback xmlns:p159="http://schemas.microsoft.com/office/powerpoint/2015/09/main" xmlns:p15="http://schemas.microsoft.com/office/powerpoint/2012/main" xmlns:a14="http://schemas.microsoft.com/office/drawing/2010/main" xmlns:wp="http://schemas.openxmlformats.org/drawingml/2006/wordprocessingDrawing" xmlns:w="http://schemas.openxmlformats.org/wordprocessingml/2006/main" xmlns:m="http://schemas.openxmlformats.org/officeDocument/2006/math" xmlns="">
       <p:transition spd="med">
         <p:fade/>
       </p:transition>
@@ -44562,7 +44563,7 @@
         <p:fade/>
       </p:transition>
     </mc:Choice>
-    <mc:Fallback xmlns="" xmlns:m="http://schemas.openxmlformats.org/officeDocument/2006/math" xmlns:w="http://schemas.openxmlformats.org/wordprocessingml/2006/main" xmlns:wp="http://schemas.openxmlformats.org/drawingml/2006/wordprocessingDrawing" xmlns:a14="http://schemas.microsoft.com/office/drawing/2010/main" xmlns:p15="http://schemas.microsoft.com/office/powerpoint/2012/main" xmlns:p159="http://schemas.microsoft.com/office/powerpoint/2015/09/main">
+    <mc:Fallback xmlns:p159="http://schemas.microsoft.com/office/powerpoint/2015/09/main" xmlns:p15="http://schemas.microsoft.com/office/powerpoint/2012/main" xmlns:a14="http://schemas.microsoft.com/office/drawing/2010/main" xmlns:wp="http://schemas.openxmlformats.org/drawingml/2006/wordprocessingDrawing" xmlns:w="http://schemas.openxmlformats.org/wordprocessingml/2006/main" xmlns:m="http://schemas.openxmlformats.org/officeDocument/2006/math" xmlns="">
       <p:transition spd="med">
         <p:fade/>
       </p:transition>
@@ -44677,7 +44678,7 @@
         <p:fade/>
       </p:transition>
     </mc:Choice>
-    <mc:Fallback xmlns="" xmlns:m="http://schemas.openxmlformats.org/officeDocument/2006/math" xmlns:w="http://schemas.openxmlformats.org/wordprocessingml/2006/main" xmlns:wp="http://schemas.openxmlformats.org/drawingml/2006/wordprocessingDrawing" xmlns:a14="http://schemas.microsoft.com/office/drawing/2010/main" xmlns:p15="http://schemas.microsoft.com/office/powerpoint/2012/main" xmlns:p159="http://schemas.microsoft.com/office/powerpoint/2015/09/main">
+    <mc:Fallback xmlns:p159="http://schemas.microsoft.com/office/powerpoint/2015/09/main" xmlns:p15="http://schemas.microsoft.com/office/powerpoint/2012/main" xmlns:a14="http://schemas.microsoft.com/office/drawing/2010/main" xmlns:wp="http://schemas.openxmlformats.org/drawingml/2006/wordprocessingDrawing" xmlns:w="http://schemas.openxmlformats.org/wordprocessingml/2006/main" xmlns:m="http://schemas.openxmlformats.org/officeDocument/2006/math" xmlns="">
       <p:transition spd="med">
         <p:fade/>
       </p:transition>
@@ -45189,7 +45190,7 @@
           <a:p>
             <a:fld id="{E8FD0B7A-F5DD-4F40-B4CB-3B2C354B893A}" type="datetimeFigureOut">
               <a:rPr lang="en-US" smtClean="0"/>
-              <a:t>2/25/2022</a:t>
+              <a:t>3/15/2022</a:t>
             </a:fld>
             <a:endParaRPr lang="en-US"/>
           </a:p>
@@ -56352,7 +56353,7 @@
               <a:buChar char="•"/>
             </a:pPr>
             <a:r>
-              <a:rPr sz="1800">
+              <a:rPr sz="1800" dirty="0">
                 <a:solidFill>
                   <a:srgbClr val="000000"/>
                 </a:solidFill>
@@ -56371,7 +56372,7 @@
               <a:buChar char="•"/>
             </a:pPr>
             <a:r>
-              <a:rPr sz="1800">
+              <a:rPr sz="1800" dirty="0">
                 <a:solidFill>
                   <a:srgbClr val="000000"/>
                 </a:solidFill>
@@ -56390,7 +56391,7 @@
               <a:buChar char="•"/>
             </a:pPr>
             <a:r>
-              <a:rPr sz="1800">
+              <a:rPr sz="1800" dirty="0">
                 <a:solidFill>
                   <a:srgbClr val="000000"/>
                 </a:solidFill>
@@ -56409,7 +56410,7 @@
               <a:buChar char="•"/>
             </a:pPr>
             <a:r>
-              <a:rPr sz="1800">
+              <a:rPr sz="1800" dirty="0">
                 <a:solidFill>
                   <a:srgbClr val="000000"/>
                 </a:solidFill>
@@ -56428,7 +56429,7 @@
               <a:buChar char="•"/>
             </a:pPr>
             <a:r>
-              <a:rPr sz="1800">
+              <a:rPr sz="1800" dirty="0">
                 <a:solidFill>
                   <a:srgbClr val="000000"/>
                 </a:solidFill>
@@ -56448,6 +56449,133 @@
 </file>
 
 <file path=ppt/slides/slide26.xml><?xml version="1.0" encoding="utf-8"?>
+<p:sld xmlns:a="http://schemas.openxmlformats.org/drawingml/2006/main" xmlns:r="http://schemas.openxmlformats.org/officeDocument/2006/relationships" xmlns:p="http://schemas.openxmlformats.org/presentationml/2006/main">
+  <p:cSld>
+    <p:spTree>
+      <p:nvGrpSpPr>
+        <p:cNvPr id="1" name=""/>
+        <p:cNvGrpSpPr/>
+        <p:nvPr/>
+      </p:nvGrpSpPr>
+      <p:grpSpPr>
+        <a:xfrm>
+          <a:off x="0" y="0"/>
+          <a:ext cx="0" cy="0"/>
+          <a:chOff x="0" y="0"/>
+          <a:chExt cx="0" cy="0"/>
+        </a:xfrm>
+      </p:grpSpPr>
+      <p:sp>
+        <p:nvSpPr>
+          <p:cNvPr id="2" name="Title 1">
+            <a:extLst>
+              <a:ext uri="{FF2B5EF4-FFF2-40B4-BE49-F238E27FC236}">
+                <a16:creationId xmlns:a16="http://schemas.microsoft.com/office/drawing/2014/main" id="{22E06DD3-ABBE-4450-804A-31129C0D963C}"/>
+              </a:ext>
+            </a:extLst>
+          </p:cNvPr>
+          <p:cNvSpPr>
+            <a:spLocks noGrp="1"/>
+          </p:cNvSpPr>
+          <p:nvPr>
+            <p:ph type="title"/>
+          </p:nvPr>
+        </p:nvSpPr>
+        <p:spPr/>
+        <p:txBody>
+          <a:bodyPr/>
+          <a:lstStyle/>
+          <a:p>
+            <a:r>
+              <a:rPr lang="en-US" dirty="0"/>
+              <a:t>Next steps</a:t>
+            </a:r>
+          </a:p>
+        </p:txBody>
+      </p:sp>
+      <p:sp>
+        <p:nvSpPr>
+          <p:cNvPr id="3" name="Content Placeholder 2">
+            <a:extLst>
+              <a:ext uri="{FF2B5EF4-FFF2-40B4-BE49-F238E27FC236}">
+                <a16:creationId xmlns:a16="http://schemas.microsoft.com/office/drawing/2014/main" id="{C53A9801-D662-4F9E-95B0-EDB0647EC631}"/>
+              </a:ext>
+            </a:extLst>
+          </p:cNvPr>
+          <p:cNvSpPr>
+            <a:spLocks noGrp="1"/>
+          </p:cNvSpPr>
+          <p:nvPr>
+            <p:ph sz="quarter" idx="10"/>
+          </p:nvPr>
+        </p:nvSpPr>
+        <p:spPr>
+          <a:xfrm>
+            <a:off x="584200" y="1435100"/>
+            <a:ext cx="11018838" cy="1317284"/>
+          </a:xfrm>
+        </p:spPr>
+        <p:txBody>
+          <a:bodyPr/>
+          <a:lstStyle/>
+          <a:p>
+            <a:pPr marL="457200" indent="-457200">
+              <a:buFontTx/>
+              <a:buChar char="-"/>
+            </a:pPr>
+            <a:r>
+              <a:rPr lang="en-US" dirty="0">
+                <a:hlinkClick r:id="rId2"/>
+              </a:rPr>
+              <a:t>Building data driven websites with Django</a:t>
+            </a:r>
+            <a:endParaRPr lang="en-US" dirty="0"/>
+          </a:p>
+          <a:p>
+            <a:pPr marL="914400" lvl="1" indent="-457200">
+              <a:buFontTx/>
+              <a:buChar char="-"/>
+            </a:pPr>
+            <a:r>
+              <a:rPr lang="en-US" dirty="0">
+                <a:hlinkClick r:id="rId2"/>
+              </a:rPr>
+              <a:t>https://aka.ms/learn-django</a:t>
+            </a:r>
+            <a:endParaRPr lang="en-US" dirty="0"/>
+          </a:p>
+          <a:p>
+            <a:pPr marL="457200" indent="-457200">
+              <a:buFontTx/>
+              <a:buChar char="-"/>
+            </a:pPr>
+            <a:r>
+              <a:rPr lang="en-US" dirty="0">
+                <a:hlinkClick r:id="rId3"/>
+              </a:rPr>
+              <a:t>Deploy a Python web app with PostgreSQL in Azure</a:t>
+            </a:r>
+            <a:endParaRPr lang="en-US" dirty="0"/>
+          </a:p>
+        </p:txBody>
+      </p:sp>
+    </p:spTree>
+    <p:extLst>
+      <p:ext uri="{BB962C8B-B14F-4D97-AF65-F5344CB8AC3E}">
+        <p14:creationId xmlns:p14="http://schemas.microsoft.com/office/powerpoint/2010/main" val="2319380955"/>
+      </p:ext>
+    </p:extLst>
+  </p:cSld>
+  <p:clrMapOvr>
+    <a:masterClrMapping/>
+  </p:clrMapOvr>
+  <p:transition>
+    <p:fade/>
+  </p:transition>
+</p:sld>
+</file>
+
+<file path=ppt/slides/slide27.xml><?xml version="1.0" encoding="utf-8"?>
 <p:sld xmlns:a="http://schemas.openxmlformats.org/drawingml/2006/main" xmlns:r="http://schemas.openxmlformats.org/officeDocument/2006/relationships" xmlns:p="http://schemas.openxmlformats.org/presentationml/2006/main">
   <p:cSld>
     <p:spTree>
